--- a/[오픈소스전문프로젝트4주차과제]6조/[오픈소스전문프로젝트4주차과제]6조.pptx
+++ b/[오픈소스전문프로젝트4주차과제]6조/[오픈소스전문프로젝트4주차과제]6조.pptx
@@ -2,7 +2,7 @@
 <file path=ppt/presentation.xml><?xml version="1.0" encoding="utf-8"?>
 <p:presentation xmlns:r="http://schemas.openxmlformats.org/officeDocument/2006/relationships" xmlns:c="http://schemas.openxmlformats.org/drawingml/2006/chart" xmlns:a="http://schemas.openxmlformats.org/drawingml/2006/main" xmlns:dgm="http://schemas.openxmlformats.org/drawingml/2006/diagram" xmlns:dsp="http://schemas.microsoft.com/office/drawing/2008/diagram" xmlns:p="http://schemas.openxmlformats.org/presentationml/2006/main" removePersonalInfoOnSave="1" autoCompressPictures="0">
   <p:sldMasterIdLst>
-    <p:sldMasterId id="2147483672" r:id="rId1"/>
+    <p:sldMasterId id="2147483671" r:id="rId1"/>
   </p:sldMasterIdLst>
   <p:notesMasterIdLst>
     <p:notesMasterId r:id="rId2"/>
@@ -19,6 +19,7 @@
     <p:sldId id="261" r:id="rId9"/>
     <p:sldId id="262" r:id="rId10"/>
     <p:sldId id="263" r:id="rId11"/>
+    <p:sldId id="264" r:id="rId12"/>
   </p:sldIdLst>
   <p:sldSz cx="12192000" cy="6858000"/>
   <p:notesSz cx="6858000" cy="9144000"/>
@@ -224,7 +225,7 @@
               <a:pPr>
                 <a:defRPr lang="ko-KR" altLang="en-US"/>
               </a:pPr>
-              <a:t>2020-04-14</a:t>
+              <a:t>2020-04-25</a:t>
             </a:fld>
             <a:endParaRPr lang="ko-KR" altLang="en-US">
               <a:latin typeface="맑은 고딕"/>
@@ -431,7 +432,7 @@
               <a:pPr lvl="0">
                 <a:defRPr lang="ko-KR" altLang="en-US"/>
               </a:pPr>
-              <a:t>2020-04-14</a:t>
+              <a:t>2020-04-25</a:t>
             </a:fld>
             <a:endParaRPr lang="ko-KR" altLang="en-US"/>
           </a:p>
@@ -9391,112 +9392,9 @@
           <a:chExt cx="0" cy="0"/>
         </a:xfrm>
       </p:grpSpPr>
-      <p:sp>
-        <p:nvSpPr>
-          <p:cNvPr id="3" name="내용 개체 틀 2"/>
-          <p:cNvSpPr>
-            <a:spLocks noGrp="1"/>
-          </p:cNvSpPr>
-          <p:nvPr>
-            <p:ph idx="1"/>
-          </p:nvPr>
-        </p:nvSpPr>
-        <p:spPr>
-          <a:xfrm>
-            <a:off x="533401" y="1124012"/>
-            <a:ext cx="10710396" cy="2304987"/>
-          </a:xfrm>
-        </p:spPr>
-        <p:txBody>
-          <a:bodyPr/>
-          <a:lstStyle/>
-          <a:p>
-            <a:pPr>
-              <a:spcAft>
-                <a:spcPct val="46000"/>
-              </a:spcAft>
-              <a:defRPr lang="ko-KR" altLang="en-US"/>
-            </a:pPr>
-            <a:r>
-              <a:rPr lang="ko-KR" altLang="en-US"/>
-              <a:t>어플의 상시 백그라운드 사용을 방지하기 위함</a:t>
-            </a:r>
-            <a:endParaRPr lang="ko-KR" altLang="en-US"/>
-          </a:p>
-          <a:p>
-            <a:pPr>
-              <a:spcBef>
-                <a:spcPct val="0"/>
-              </a:spcBef>
-              <a:spcAft>
-                <a:spcPct val="46000"/>
-              </a:spcAft>
-              <a:defRPr lang="ko-KR" altLang="en-US"/>
-            </a:pPr>
-            <a:r>
-              <a:rPr lang="ko-KR" altLang="en-US"/>
-              <a:t>사용자가 화면의 위젯을 사용하여</a:t>
-            </a:r>
-            <a:r>
-              <a:rPr lang="en-US" altLang="ko-KR"/>
-              <a:t> </a:t>
-            </a:r>
-            <a:r>
-              <a:rPr lang="ko-KR" altLang="en-US"/>
-              <a:t>어플의 </a:t>
-            </a:r>
-            <a:r>
-              <a:rPr lang="en-US" altLang="ko-KR"/>
-              <a:t>on/off</a:t>
-            </a:r>
-            <a:r>
-              <a:rPr lang="ko-KR" altLang="en-US"/>
-              <a:t>가 가능하게 함</a:t>
-            </a:r>
-            <a:endParaRPr lang="ko-KR" altLang="en-US"/>
-          </a:p>
-        </p:txBody>
-      </p:sp>
-      <p:sp>
-        <p:nvSpPr>
-          <p:cNvPr id="4" name="제목 1"/>
-          <p:cNvSpPr>
-            <a:spLocks noGrp="1"/>
-          </p:cNvSpPr>
-          <p:nvPr>
-            <p:ph type="title" idx="0"/>
-          </p:nvPr>
-        </p:nvSpPr>
-        <p:spPr>
-          <a:xfrm>
-            <a:off x="666751" y="314325"/>
-            <a:ext cx="10131425" cy="1456267"/>
-          </a:xfrm>
-        </p:spPr>
-        <p:txBody>
-          <a:bodyPr vert="horz" lIns="91440" tIns="45720" rIns="91440" bIns="45720" anchor="ctr">
-            <a:normAutofit lnSpcReduction="0"/>
-          </a:bodyPr>
-          <a:lstStyle/>
-          <a:p>
-            <a:pPr>
-              <a:defRPr lang="ko-KR" altLang="en-US"/>
-            </a:pPr>
-            <a:r>
-              <a:rPr lang="ko-KR" altLang="en-US"/>
-              <a:t>기능 </a:t>
-            </a:r>
-            <a:r>
-              <a:rPr lang="en-US" altLang="ko-KR"/>
-              <a:t>on/off</a:t>
-            </a:r>
-            <a:endParaRPr lang="ko-KR" altLang="en-US"/>
-          </a:p>
-        </p:txBody>
-      </p:sp>
       <p:pic>
         <p:nvPicPr>
-          <p:cNvPr id="6" name=""/>
+          <p:cNvPr id="9" name=""/>
           <p:cNvPicPr>
             <a:picLocks noChangeAspect="1"/>
           </p:cNvPicPr>
@@ -9513,333 +9411,285 @@
         </p:blipFill>
         <p:spPr>
           <a:xfrm>
-            <a:off x="7916690" y="2939983"/>
-            <a:ext cx="3470341" cy="3470341"/>
+            <a:off x="8989539" y="3665430"/>
+            <a:ext cx="3012367" cy="3012367"/>
           </a:xfrm>
           <a:prstGeom prst="rect">
             <a:avLst/>
           </a:prstGeom>
-          <a:ln w="12700" cap="flat" cmpd="sng" algn="ctr">
-            <a:noFill/>
-            <a:prstDash val="solid"/>
-            <a:round/>
-          </a:ln>
-          <a:effectLst>
-            <a:outerShdw blurRad="12700" sx="104000" sy="104000" algn="ctr" rotWithShape="0">
-              <a:schemeClr val="tx1"/>
-            </a:outerShdw>
-          </a:effectLst>
+          <a:effectLst/>
         </p:spPr>
       </p:pic>
       <p:sp>
         <p:nvSpPr>
-          <p:cNvPr id="10" name=""/>
-          <p:cNvSpPr/>
-          <p:nvPr/>
-        </p:nvSpPr>
-        <p:spPr>
-          <a:xfrm>
-            <a:off x="8985112" y="4824412"/>
-            <a:ext cx="304800" cy="285750"/>
-          </a:xfrm>
-          <a:prstGeom prst="roundRect">
-            <a:avLst>
-              <a:gd name="adj" fmla="val 16667"/>
-            </a:avLst>
-          </a:prstGeom>
-          <a:solidFill>
-            <a:schemeClr val="accent6">
-              <a:lumMod val="40000"/>
-              <a:lumOff val="60000"/>
-            </a:schemeClr>
-          </a:solidFill>
-          <a:ln w="12700" algn="ctr">
-            <a:solidFill>
-              <a:schemeClr val="tx1"/>
-            </a:solidFill>
-          </a:ln>
-        </p:spPr>
-        <p:style>
-          <a:lnRef idx="2">
-            <a:schemeClr val="accent1">
-              <a:shade val="20000"/>
-            </a:schemeClr>
-          </a:lnRef>
-          <a:fillRef idx="1">
-            <a:schemeClr val="accent1"/>
-          </a:fillRef>
-          <a:effectRef idx="0">
-            <a:schemeClr val="accent1"/>
-          </a:effectRef>
-          <a:fontRef idx="minor">
-            <a:schemeClr val="lt1"/>
-          </a:fontRef>
-        </p:style>
-        <p:txBody>
-          <a:bodyPr vert="horz" wrap="square" lIns="91440" tIns="45720" rIns="91440" bIns="45720" anchor="ctr">
-            <a:noAutofit/>
+          <p:cNvPr id="4" name="제목 1"/>
+          <p:cNvSpPr>
+            <a:spLocks noGrp="1"/>
+          </p:cNvSpPr>
+          <p:nvPr>
+            <p:ph type="title" idx="0"/>
+          </p:nvPr>
+        </p:nvSpPr>
+        <p:spPr>
+          <a:xfrm>
+            <a:off x="666751" y="314325"/>
+            <a:ext cx="10131425" cy="1456267"/>
+          </a:xfrm>
+        </p:spPr>
+        <p:txBody>
+          <a:bodyPr vert="horz" lIns="91440" tIns="45720" rIns="91440" bIns="45720" anchor="ctr">
+            <a:normAutofit lnSpcReduction="0"/>
           </a:bodyPr>
           <a:lstStyle/>
           <a:p>
-            <a:pPr algn="ctr">
+            <a:pPr>
               <a:defRPr lang="ko-KR" altLang="en-US"/>
             </a:pPr>
-            <a:endParaRPr lang="en-US" altLang="ko-KR"/>
-          </a:p>
-        </p:txBody>
-      </p:sp>
-      <p:sp>
-        <p:nvSpPr>
-          <p:cNvPr id="11" name=""/>
-          <p:cNvSpPr txBox="1"/>
+            <a:r>
+              <a:rPr lang="ko-KR" altLang="en-US"/>
+              <a:t>알림</a:t>
+            </a:r>
+            <a:endParaRPr lang="ko-KR" altLang="en-US"/>
+          </a:p>
+        </p:txBody>
+      </p:sp>
+      <p:sp>
+        <p:nvSpPr>
+          <p:cNvPr id="5" name="내용 개체 틀 2"/>
+          <p:cNvSpPr>
+            <a:spLocks noGrp="1"/>
+          </p:cNvSpPr>
+          <p:nvPr>
+            <p:ph idx="1"/>
+          </p:nvPr>
+        </p:nvSpPr>
+        <p:spPr>
+          <a:xfrm>
+            <a:off x="573742" y="1221566"/>
+            <a:ext cx="10131425" cy="4601633"/>
+          </a:xfrm>
+        </p:spPr>
+        <p:txBody>
+          <a:bodyPr vert="horz" lIns="91440" tIns="45720" rIns="91440" bIns="45720" anchor="ctr">
+            <a:normAutofit lnSpcReduction="0"/>
+          </a:bodyPr>
+          <a:lstStyle/>
+          <a:p>
+            <a:pPr>
+              <a:spcAft>
+                <a:spcPct val="46000"/>
+              </a:spcAft>
+              <a:buNone/>
+              <a:defRPr lang="ko-KR" altLang="en-US"/>
+            </a:pPr>
+            <a:r>
+              <a:rPr lang="ko-KR" altLang="en-US"/>
+              <a:t>1) 사용자에게 핸드폰이 떨어졌음을 알림</a:t>
+            </a:r>
+            <a:endParaRPr lang="ko-KR" altLang="en-US"/>
+          </a:p>
+          <a:p>
+            <a:pPr>
+              <a:spcBef>
+                <a:spcPct val="0"/>
+              </a:spcBef>
+              <a:spcAft>
+                <a:spcPct val="46000"/>
+              </a:spcAft>
+              <a:buNone/>
+              <a:defRPr lang="ko-KR" altLang="en-US"/>
+            </a:pPr>
+            <a:r>
+              <a:rPr lang="ko-KR" altLang="en-US"/>
+              <a:t>   - 핸드폰이 떨어졌음을 감지했을 때</a:t>
+            </a:r>
+            <a:endParaRPr lang="ko-KR" altLang="en-US"/>
+          </a:p>
+          <a:p>
+            <a:pPr>
+              <a:spcBef>
+                <a:spcPct val="0"/>
+              </a:spcBef>
+              <a:spcAft>
+                <a:spcPct val="46000"/>
+              </a:spcAft>
+              <a:buNone/>
+              <a:defRPr lang="ko-KR" altLang="en-US"/>
+            </a:pPr>
+            <a:endParaRPr lang="ko-KR" altLang="en-US"/>
+          </a:p>
+          <a:p>
+            <a:pPr>
+              <a:spcBef>
+                <a:spcPct val="0"/>
+              </a:spcBef>
+              <a:spcAft>
+                <a:spcPct val="46000"/>
+              </a:spcAft>
+              <a:buNone/>
+              <a:defRPr lang="ko-KR" altLang="en-US"/>
+            </a:pPr>
+            <a:endParaRPr lang="ko-KR" altLang="en-US"/>
+          </a:p>
+          <a:p>
+            <a:pPr>
+              <a:spcBef>
+                <a:spcPct val="0"/>
+              </a:spcBef>
+              <a:spcAft>
+                <a:spcPct val="46000"/>
+              </a:spcAft>
+              <a:buNone/>
+              <a:defRPr lang="ko-KR" altLang="en-US"/>
+            </a:pPr>
+            <a:r>
+              <a:rPr lang="ko-KR" altLang="en-US"/>
+              <a:t>2) 미리 저장한 사람들에게 사용자가 핸드폰을 잃어버렸음을 알림 </a:t>
+            </a:r>
+            <a:r>
+              <a:rPr lang="en-US" altLang="ko-KR"/>
+              <a:t>ex)</a:t>
+            </a:r>
+            <a:r>
+              <a:rPr lang="ko-KR" altLang="en-US"/>
+              <a:t>부모님</a:t>
+            </a:r>
+            <a:endParaRPr lang="ko-KR" altLang="en-US"/>
+          </a:p>
+          <a:p>
+            <a:pPr>
+              <a:spcBef>
+                <a:spcPct val="0"/>
+              </a:spcBef>
+              <a:spcAft>
+                <a:spcPct val="46000"/>
+              </a:spcAft>
+              <a:buNone/>
+              <a:defRPr lang="ko-KR" altLang="en-US"/>
+            </a:pPr>
+            <a:r>
+              <a:rPr lang="ko-KR" altLang="en-US"/>
+              <a:t>   - 사용자가 걷고있음, 뛰고있음, 손에 들고있음을 감지</a:t>
+            </a:r>
+            <a:endParaRPr lang="ko-KR" altLang="en-US"/>
+          </a:p>
+          <a:p>
+            <a:pPr>
+              <a:spcBef>
+                <a:spcPct val="0"/>
+              </a:spcBef>
+              <a:spcAft>
+                <a:spcPct val="46000"/>
+              </a:spcAft>
+              <a:buNone/>
+              <a:defRPr lang="ko-KR" altLang="en-US"/>
+            </a:pPr>
+            <a:r>
+              <a:rPr lang="ko-KR" altLang="en-US"/>
+              <a:t>   - 그 후 계속 반복되던 동작이 멈추고 일정시간 동안</a:t>
+            </a:r>
+            <a:endParaRPr lang="ko-KR" altLang="en-US"/>
+          </a:p>
+          <a:p>
+            <a:pPr>
+              <a:spcBef>
+                <a:spcPct val="0"/>
+              </a:spcBef>
+              <a:spcAft>
+                <a:spcPct val="46000"/>
+              </a:spcAft>
+              <a:buNone/>
+              <a:defRPr lang="ko-KR" altLang="en-US"/>
+            </a:pPr>
+            <a:r>
+              <a:rPr lang="ko-KR" altLang="en-US"/>
+              <a:t>     동작으로 돌아오지 않을 때</a:t>
+            </a:r>
+            <a:endParaRPr lang="ko-KR" altLang="en-US"/>
+          </a:p>
+          <a:p>
+            <a:pPr>
+              <a:spcBef>
+                <a:spcPct val="0"/>
+              </a:spcBef>
+              <a:spcAft>
+                <a:spcPct val="46000"/>
+              </a:spcAft>
+              <a:buNone/>
+              <a:defRPr lang="ko-KR" altLang="en-US"/>
+            </a:pPr>
+            <a:r>
+              <a:rPr lang="ko-KR" altLang="en-US"/>
+              <a:t>     사용자가 핸드폰을 떨어트렸음을 알수있음</a:t>
+            </a:r>
+            <a:endParaRPr lang="ko-KR" altLang="en-US"/>
+          </a:p>
+          <a:p>
+            <a:pPr>
+              <a:spcBef>
+                <a:spcPct val="0"/>
+              </a:spcBef>
+              <a:spcAft>
+                <a:spcPct val="46000"/>
+              </a:spcAft>
+              <a:defRPr lang="ko-KR" altLang="en-US"/>
+            </a:pPr>
+            <a:endParaRPr lang="ko-KR" altLang="en-US"/>
+          </a:p>
+        </p:txBody>
+      </p:sp>
+      <p:pic>
+        <p:nvPicPr>
+          <p:cNvPr id="7" name=""/>
+          <p:cNvPicPr>
+            <a:picLocks noChangeAspect="1"/>
+          </p:cNvPicPr>
           <p:nvPr/>
-        </p:nvSpPr>
-        <p:spPr>
-          <a:xfrm>
-            <a:off x="8921539" y="4767975"/>
-            <a:ext cx="447251" cy="364808"/>
+        </p:nvPicPr>
+        <p:blipFill rotWithShape="1">
+          <a:blip r:embed="rId3">
+            <a:lum bright="100000" contrast="100000"/>
+          </a:blip>
+          <a:stretch>
+            <a:fillRect/>
+          </a:stretch>
+        </p:blipFill>
+        <p:spPr>
+          <a:xfrm>
+            <a:off x="9956214" y="4577239"/>
+            <a:ext cx="1062790" cy="1062790"/>
           </a:xfrm>
           <a:prstGeom prst="rect">
             <a:avLst/>
           </a:prstGeom>
-          <a:noFill/>
-          <a:ln w="9525" cap="flat" cmpd="sng">
-            <a:noFill/>
-            <a:prstDash val="solid"/>
-            <a:round/>
-          </a:ln>
-        </p:spPr>
-        <p:txBody>
-          <a:bodyPr vert="horz" wrap="none" lIns="91440" tIns="45720" rIns="91440" bIns="45720" anchor="t">
-            <a:spAutoFit/>
-          </a:bodyPr>
-          <a:lstStyle/>
-          <a:p>
-            <a:pPr>
-              <a:defRPr lang="ko-KR" altLang="en-US"/>
-            </a:pPr>
-            <a:r>
-              <a:rPr lang="en-US" altLang="ko-KR">
-                <a:solidFill>
-                  <a:schemeClr val="bg1"/>
-                </a:solidFill>
-              </a:rPr>
-              <a:t>off</a:t>
-            </a:r>
-            <a:endParaRPr lang="en-US" altLang="ko-KR">
-              <a:solidFill>
-                <a:schemeClr val="bg1"/>
-              </a:solidFill>
-            </a:endParaRPr>
-          </a:p>
-        </p:txBody>
-      </p:sp>
-      <p:sp>
-        <p:nvSpPr>
-          <p:cNvPr id="22" name=""/>
-          <p:cNvSpPr/>
+        </p:spPr>
+      </p:pic>
+      <p:pic>
+        <p:nvPicPr>
+          <p:cNvPr id="8" name=""/>
+          <p:cNvPicPr>
+            <a:picLocks noChangeAspect="1"/>
+          </p:cNvPicPr>
           <p:nvPr/>
-        </p:nvSpPr>
-        <p:spPr>
-          <a:xfrm>
-            <a:off x="1723994" y="4129087"/>
-            <a:ext cx="1247775" cy="1169789"/>
-          </a:xfrm>
-          <a:prstGeom prst="roundRect">
-            <a:avLst>
-              <a:gd name="adj" fmla="val 16667"/>
-            </a:avLst>
-          </a:prstGeom>
-          <a:solidFill>
-            <a:schemeClr val="accent6">
-              <a:lumMod val="40000"/>
-              <a:lumOff val="60000"/>
-            </a:schemeClr>
-          </a:solidFill>
-          <a:ln w="25400" algn="ctr">
-            <a:solidFill>
-              <a:schemeClr val="tx1"/>
-            </a:solidFill>
-          </a:ln>
-        </p:spPr>
-        <p:style>
-          <a:lnRef idx="2">
-            <a:schemeClr val="accent1">
-              <a:shade val="20000"/>
-            </a:schemeClr>
-          </a:lnRef>
-          <a:fillRef idx="1">
-            <a:schemeClr val="accent1"/>
-          </a:fillRef>
-          <a:effectRef idx="0">
-            <a:schemeClr val="accent1"/>
-          </a:effectRef>
-          <a:fontRef idx="minor">
-            <a:schemeClr val="lt1"/>
-          </a:fontRef>
-        </p:style>
-        <p:txBody>
-          <a:bodyPr vert="horz" wrap="square" lIns="91440" tIns="45720" rIns="91440" bIns="45720" anchor="ctr">
-            <a:noAutofit/>
-          </a:bodyPr>
-          <a:lstStyle/>
-          <a:p>
-            <a:pPr algn="ctr">
-              <a:defRPr lang="ko-KR" altLang="en-US"/>
-            </a:pPr>
-            <a:r>
-              <a:rPr lang="en-US" altLang="ko-KR" sz="4300">
-                <a:solidFill>
-                  <a:schemeClr val="bg1"/>
-                </a:solidFill>
-              </a:rPr>
-              <a:t>off</a:t>
-            </a:r>
-            <a:endParaRPr lang="en-US" altLang="ko-KR" sz="4300">
-              <a:solidFill>
-                <a:schemeClr val="bg1"/>
-              </a:solidFill>
-            </a:endParaRPr>
-          </a:p>
-        </p:txBody>
-      </p:sp>
-      <p:sp>
-        <p:nvSpPr>
-          <p:cNvPr id="24" name=""/>
-          <p:cNvSpPr/>
-          <p:nvPr/>
-        </p:nvSpPr>
-        <p:spPr>
-          <a:xfrm>
-            <a:off x="4671981" y="4138612"/>
-            <a:ext cx="1247775" cy="1169789"/>
-          </a:xfrm>
-          <a:prstGeom prst="roundRect">
-            <a:avLst>
-              <a:gd name="adj" fmla="val 16667"/>
-            </a:avLst>
-          </a:prstGeom>
-          <a:solidFill>
-            <a:schemeClr val="accent2">
-              <a:lumMod val="40000"/>
-              <a:lumOff val="60000"/>
-            </a:schemeClr>
-          </a:solidFill>
-          <a:ln w="25400" algn="ctr">
-            <a:solidFill>
-              <a:schemeClr val="tx1"/>
-            </a:solidFill>
-          </a:ln>
-        </p:spPr>
-        <p:style>
-          <a:lnRef idx="2">
-            <a:schemeClr val="accent1">
-              <a:shade val="20000"/>
-            </a:schemeClr>
-          </a:lnRef>
-          <a:fillRef idx="1">
-            <a:schemeClr val="accent1"/>
-          </a:fillRef>
-          <a:effectRef idx="0">
-            <a:schemeClr val="accent1"/>
-          </a:effectRef>
-          <a:fontRef idx="minor">
-            <a:schemeClr val="lt1"/>
-          </a:fontRef>
-        </p:style>
-        <p:txBody>
-          <a:bodyPr vert="horz" wrap="square" lIns="91440" tIns="45720" rIns="91440" bIns="45720" anchor="ctr">
-            <a:noAutofit/>
-          </a:bodyPr>
-          <a:lstStyle/>
-          <a:p>
-            <a:pPr algn="ctr">
-              <a:defRPr lang="ko-KR" altLang="en-US"/>
-            </a:pPr>
-            <a:r>
-              <a:rPr lang="en-US" altLang="ko-KR" sz="4300">
-                <a:solidFill>
-                  <a:schemeClr val="bg1"/>
-                </a:solidFill>
-              </a:rPr>
-              <a:t>on</a:t>
-            </a:r>
-            <a:endParaRPr lang="en-US" altLang="ko-KR" sz="4300">
-              <a:solidFill>
-                <a:schemeClr val="bg1"/>
-              </a:solidFill>
-            </a:endParaRPr>
-          </a:p>
-        </p:txBody>
-      </p:sp>
-      <p:cxnSp>
-        <p:nvCxnSpPr>
-          <p:cNvPr id="25" name=""/>
-          <p:cNvCxnSpPr/>
-          <p:nvPr/>
-        </p:nvCxnSpPr>
-        <p:spPr>
-          <a:xfrm>
-            <a:off x="3076544" y="4757738"/>
-            <a:ext cx="1495455" cy="0"/>
-          </a:xfrm>
-          <a:prstGeom prst="straightConnector1">
-            <a:avLst/>
-          </a:prstGeom>
-          <a:ln w="88900" cap="flat" cmpd="sng" algn="ctr">
-            <a:solidFill>
-              <a:schemeClr val="tx1"/>
-            </a:solidFill>
-            <a:headEnd type="triangle" w="med" len="sm"/>
-            <a:tailEnd type="triangle" w="med" len="sm"/>
-          </a:ln>
-        </p:spPr>
-        <p:style>
-          <a:lnRef idx="1">
-            <a:schemeClr val="accent1"/>
-          </a:lnRef>
-          <a:fillRef idx="0">
-            <a:schemeClr val="accent1"/>
-          </a:fillRef>
-          <a:effectRef idx="0">
-            <a:schemeClr val="accent1"/>
-          </a:effectRef>
-          <a:fontRef idx="minor">
-            <a:schemeClr val="tx1"/>
-          </a:fontRef>
-        </p:style>
-      </p:cxnSp>
-      <p:sp>
-        <p:nvSpPr>
-          <p:cNvPr id="26" name=""/>
-          <p:cNvSpPr txBox="1"/>
-          <p:nvPr/>
-        </p:nvSpPr>
-        <p:spPr>
-          <a:xfrm>
-            <a:off x="3448018" y="4405312"/>
-            <a:ext cx="715328" cy="364808"/>
+        </p:nvPicPr>
+        <p:blipFill rotWithShape="1">
+          <a:blip r:embed="rId4">
+            <a:lum bright="100000" contrast="100000"/>
+          </a:blip>
+          <a:stretch>
+            <a:fillRect/>
+          </a:stretch>
+        </p:blipFill>
+        <p:spPr>
+          <a:xfrm rot="17100000">
+            <a:off x="8185700" y="4224699"/>
+            <a:ext cx="1501176" cy="1501176"/>
           </a:xfrm>
           <a:prstGeom prst="rect">
             <a:avLst/>
           </a:prstGeom>
         </p:spPr>
-        <p:txBody>
-          <a:bodyPr wrap="none">
-            <a:spAutoFit/>
-          </a:bodyPr>
-          <a:p>
-            <a:pPr>
-              <a:defRPr lang="ko-KR" altLang="en-US"/>
-            </a:pPr>
-            <a:r>
-              <a:rPr lang="en-US" altLang="ko-KR"/>
-              <a:t>touch</a:t>
-            </a:r>
-            <a:endParaRPr lang="en-US" altLang="ko-KR"/>
-          </a:p>
-        </p:txBody>
-      </p:sp>
+      </p:pic>
     </p:spTree>
   </p:cSld>
   <p:clrMapOvr>
@@ -9878,6 +9728,481 @@
         </p:nvSpPr>
         <p:spPr>
           <a:xfrm>
+            <a:off x="533401" y="1124012"/>
+            <a:ext cx="10710396" cy="2304987"/>
+          </a:xfrm>
+        </p:spPr>
+        <p:txBody>
+          <a:bodyPr/>
+          <a:lstStyle/>
+          <a:p>
+            <a:pPr>
+              <a:spcAft>
+                <a:spcPct val="46000"/>
+              </a:spcAft>
+              <a:defRPr lang="ko-KR" altLang="en-US"/>
+            </a:pPr>
+            <a:r>
+              <a:rPr lang="ko-KR" altLang="en-US"/>
+              <a:t>어플의 상시 백그라운드 사용을 방지하기 위함</a:t>
+            </a:r>
+            <a:endParaRPr lang="ko-KR" altLang="en-US"/>
+          </a:p>
+          <a:p>
+            <a:pPr>
+              <a:spcBef>
+                <a:spcPct val="0"/>
+              </a:spcBef>
+              <a:spcAft>
+                <a:spcPct val="46000"/>
+              </a:spcAft>
+              <a:defRPr lang="ko-KR" altLang="en-US"/>
+            </a:pPr>
+            <a:r>
+              <a:rPr lang="ko-KR" altLang="en-US"/>
+              <a:t>사용자가 화면의 위젯을 사용하여</a:t>
+            </a:r>
+            <a:r>
+              <a:rPr lang="en-US" altLang="ko-KR"/>
+              <a:t> </a:t>
+            </a:r>
+            <a:r>
+              <a:rPr lang="ko-KR" altLang="en-US"/>
+              <a:t>어플의 </a:t>
+            </a:r>
+            <a:r>
+              <a:rPr lang="en-US" altLang="ko-KR"/>
+              <a:t>on/off</a:t>
+            </a:r>
+            <a:r>
+              <a:rPr lang="ko-KR" altLang="en-US"/>
+              <a:t>가 가능하게 함</a:t>
+            </a:r>
+            <a:endParaRPr lang="ko-KR" altLang="en-US"/>
+          </a:p>
+        </p:txBody>
+      </p:sp>
+      <p:sp>
+        <p:nvSpPr>
+          <p:cNvPr id="4" name="제목 1"/>
+          <p:cNvSpPr>
+            <a:spLocks noGrp="1"/>
+          </p:cNvSpPr>
+          <p:nvPr>
+            <p:ph type="title" idx="0"/>
+          </p:nvPr>
+        </p:nvSpPr>
+        <p:spPr>
+          <a:xfrm>
+            <a:off x="666751" y="314325"/>
+            <a:ext cx="10131425" cy="1456267"/>
+          </a:xfrm>
+        </p:spPr>
+        <p:txBody>
+          <a:bodyPr vert="horz" lIns="91440" tIns="45720" rIns="91440" bIns="45720" anchor="ctr">
+            <a:normAutofit lnSpcReduction="0"/>
+          </a:bodyPr>
+          <a:lstStyle/>
+          <a:p>
+            <a:pPr>
+              <a:defRPr lang="ko-KR" altLang="en-US"/>
+            </a:pPr>
+            <a:r>
+              <a:rPr lang="ko-KR" altLang="en-US"/>
+              <a:t>기능 </a:t>
+            </a:r>
+            <a:r>
+              <a:rPr lang="en-US" altLang="ko-KR"/>
+              <a:t>on/off</a:t>
+            </a:r>
+            <a:endParaRPr lang="ko-KR" altLang="en-US"/>
+          </a:p>
+        </p:txBody>
+      </p:sp>
+      <p:pic>
+        <p:nvPicPr>
+          <p:cNvPr id="6" name=""/>
+          <p:cNvPicPr>
+            <a:picLocks noChangeAspect="1"/>
+          </p:cNvPicPr>
+          <p:nvPr/>
+        </p:nvPicPr>
+        <p:blipFill rotWithShape="1">
+          <a:blip r:embed="rId2">
+            <a:biLevel thresh="50000"/>
+            <a:lum bright="100000" contrast="100000"/>
+          </a:blip>
+          <a:stretch>
+            <a:fillRect/>
+          </a:stretch>
+        </p:blipFill>
+        <p:spPr>
+          <a:xfrm>
+            <a:off x="7916690" y="2939983"/>
+            <a:ext cx="3470341" cy="3470341"/>
+          </a:xfrm>
+          <a:prstGeom prst="rect">
+            <a:avLst/>
+          </a:prstGeom>
+          <a:ln w="12700" cap="flat" cmpd="sng" algn="ctr">
+            <a:noFill/>
+            <a:prstDash val="solid"/>
+            <a:round/>
+          </a:ln>
+          <a:effectLst>
+            <a:outerShdw blurRad="12700" sx="104000" sy="104000" algn="ctr" rotWithShape="0">
+              <a:schemeClr val="tx1"/>
+            </a:outerShdw>
+          </a:effectLst>
+        </p:spPr>
+      </p:pic>
+      <p:sp>
+        <p:nvSpPr>
+          <p:cNvPr id="10" name=""/>
+          <p:cNvSpPr/>
+          <p:nvPr/>
+        </p:nvSpPr>
+        <p:spPr>
+          <a:xfrm>
+            <a:off x="8985112" y="4824412"/>
+            <a:ext cx="304800" cy="285750"/>
+          </a:xfrm>
+          <a:prstGeom prst="roundRect">
+            <a:avLst>
+              <a:gd name="adj" fmla="val 16667"/>
+            </a:avLst>
+          </a:prstGeom>
+          <a:solidFill>
+            <a:schemeClr val="accent6">
+              <a:lumMod val="40000"/>
+              <a:lumOff val="60000"/>
+            </a:schemeClr>
+          </a:solidFill>
+          <a:ln w="12700" algn="ctr">
+            <a:solidFill>
+              <a:schemeClr val="tx1"/>
+            </a:solidFill>
+          </a:ln>
+        </p:spPr>
+        <p:style>
+          <a:lnRef idx="2">
+            <a:schemeClr val="accent1">
+              <a:shade val="20000"/>
+            </a:schemeClr>
+          </a:lnRef>
+          <a:fillRef idx="1">
+            <a:schemeClr val="accent1"/>
+          </a:fillRef>
+          <a:effectRef idx="0">
+            <a:schemeClr val="accent1"/>
+          </a:effectRef>
+          <a:fontRef idx="minor">
+            <a:schemeClr val="lt1"/>
+          </a:fontRef>
+        </p:style>
+        <p:txBody>
+          <a:bodyPr vert="horz" wrap="square" lIns="91440" tIns="45720" rIns="91440" bIns="45720" anchor="ctr">
+            <a:noAutofit/>
+          </a:bodyPr>
+          <a:lstStyle/>
+          <a:p>
+            <a:pPr algn="ctr">
+              <a:defRPr lang="ko-KR" altLang="en-US"/>
+            </a:pPr>
+            <a:endParaRPr lang="en-US" altLang="ko-KR"/>
+          </a:p>
+        </p:txBody>
+      </p:sp>
+      <p:sp>
+        <p:nvSpPr>
+          <p:cNvPr id="11" name=""/>
+          <p:cNvSpPr txBox="1"/>
+          <p:nvPr/>
+        </p:nvSpPr>
+        <p:spPr>
+          <a:xfrm>
+            <a:off x="8921539" y="4767975"/>
+            <a:ext cx="447252" cy="364808"/>
+          </a:xfrm>
+          <a:prstGeom prst="rect">
+            <a:avLst/>
+          </a:prstGeom>
+          <a:noFill/>
+          <a:ln w="9525" cap="flat" cmpd="sng">
+            <a:noFill/>
+            <a:prstDash val="solid"/>
+            <a:round/>
+          </a:ln>
+        </p:spPr>
+        <p:txBody>
+          <a:bodyPr vert="horz" wrap="none" lIns="91440" tIns="45720" rIns="91440" bIns="45720" anchor="t">
+            <a:spAutoFit/>
+          </a:bodyPr>
+          <a:lstStyle/>
+          <a:p>
+            <a:pPr>
+              <a:defRPr lang="ko-KR" altLang="en-US"/>
+            </a:pPr>
+            <a:r>
+              <a:rPr lang="en-US" altLang="ko-KR">
+                <a:solidFill>
+                  <a:schemeClr val="bg1"/>
+                </a:solidFill>
+              </a:rPr>
+              <a:t>off</a:t>
+            </a:r>
+            <a:endParaRPr lang="en-US" altLang="ko-KR">
+              <a:solidFill>
+                <a:schemeClr val="bg1"/>
+              </a:solidFill>
+            </a:endParaRPr>
+          </a:p>
+        </p:txBody>
+      </p:sp>
+      <p:sp>
+        <p:nvSpPr>
+          <p:cNvPr id="22" name=""/>
+          <p:cNvSpPr/>
+          <p:nvPr/>
+        </p:nvSpPr>
+        <p:spPr>
+          <a:xfrm>
+            <a:off x="1723994" y="4129087"/>
+            <a:ext cx="1247775" cy="1169789"/>
+          </a:xfrm>
+          <a:prstGeom prst="roundRect">
+            <a:avLst>
+              <a:gd name="adj" fmla="val 16667"/>
+            </a:avLst>
+          </a:prstGeom>
+          <a:solidFill>
+            <a:schemeClr val="accent6">
+              <a:lumMod val="40000"/>
+              <a:lumOff val="60000"/>
+            </a:schemeClr>
+          </a:solidFill>
+          <a:ln w="25400" algn="ctr">
+            <a:solidFill>
+              <a:schemeClr val="tx1"/>
+            </a:solidFill>
+          </a:ln>
+        </p:spPr>
+        <p:style>
+          <a:lnRef idx="2">
+            <a:schemeClr val="accent1">
+              <a:shade val="20000"/>
+            </a:schemeClr>
+          </a:lnRef>
+          <a:fillRef idx="1">
+            <a:schemeClr val="accent1"/>
+          </a:fillRef>
+          <a:effectRef idx="0">
+            <a:schemeClr val="accent1"/>
+          </a:effectRef>
+          <a:fontRef idx="minor">
+            <a:schemeClr val="lt1"/>
+          </a:fontRef>
+        </p:style>
+        <p:txBody>
+          <a:bodyPr vert="horz" wrap="square" lIns="91440" tIns="45720" rIns="91440" bIns="45720" anchor="ctr">
+            <a:noAutofit/>
+          </a:bodyPr>
+          <a:lstStyle/>
+          <a:p>
+            <a:pPr algn="ctr">
+              <a:defRPr lang="ko-KR" altLang="en-US"/>
+            </a:pPr>
+            <a:r>
+              <a:rPr lang="en-US" altLang="ko-KR" sz="4300">
+                <a:solidFill>
+                  <a:schemeClr val="bg1"/>
+                </a:solidFill>
+              </a:rPr>
+              <a:t>off</a:t>
+            </a:r>
+            <a:endParaRPr lang="en-US" altLang="ko-KR" sz="4300">
+              <a:solidFill>
+                <a:schemeClr val="bg1"/>
+              </a:solidFill>
+            </a:endParaRPr>
+          </a:p>
+        </p:txBody>
+      </p:sp>
+      <p:sp>
+        <p:nvSpPr>
+          <p:cNvPr id="24" name=""/>
+          <p:cNvSpPr/>
+          <p:nvPr/>
+        </p:nvSpPr>
+        <p:spPr>
+          <a:xfrm>
+            <a:off x="4671981" y="4138612"/>
+            <a:ext cx="1247775" cy="1169789"/>
+          </a:xfrm>
+          <a:prstGeom prst="roundRect">
+            <a:avLst>
+              <a:gd name="adj" fmla="val 16667"/>
+            </a:avLst>
+          </a:prstGeom>
+          <a:solidFill>
+            <a:schemeClr val="accent2">
+              <a:lumMod val="40000"/>
+              <a:lumOff val="60000"/>
+            </a:schemeClr>
+          </a:solidFill>
+          <a:ln w="25400" algn="ctr">
+            <a:solidFill>
+              <a:schemeClr val="tx1"/>
+            </a:solidFill>
+          </a:ln>
+        </p:spPr>
+        <p:style>
+          <a:lnRef idx="2">
+            <a:schemeClr val="accent1">
+              <a:shade val="20000"/>
+            </a:schemeClr>
+          </a:lnRef>
+          <a:fillRef idx="1">
+            <a:schemeClr val="accent1"/>
+          </a:fillRef>
+          <a:effectRef idx="0">
+            <a:schemeClr val="accent1"/>
+          </a:effectRef>
+          <a:fontRef idx="minor">
+            <a:schemeClr val="lt1"/>
+          </a:fontRef>
+        </p:style>
+        <p:txBody>
+          <a:bodyPr vert="horz" wrap="square" lIns="91440" tIns="45720" rIns="91440" bIns="45720" anchor="ctr">
+            <a:noAutofit/>
+          </a:bodyPr>
+          <a:lstStyle/>
+          <a:p>
+            <a:pPr algn="ctr">
+              <a:defRPr lang="ko-KR" altLang="en-US"/>
+            </a:pPr>
+            <a:r>
+              <a:rPr lang="en-US" altLang="ko-KR" sz="4300">
+                <a:solidFill>
+                  <a:schemeClr val="bg1"/>
+                </a:solidFill>
+              </a:rPr>
+              <a:t>on</a:t>
+            </a:r>
+            <a:endParaRPr lang="en-US" altLang="ko-KR" sz="4300">
+              <a:solidFill>
+                <a:schemeClr val="bg1"/>
+              </a:solidFill>
+            </a:endParaRPr>
+          </a:p>
+        </p:txBody>
+      </p:sp>
+      <p:cxnSp>
+        <p:nvCxnSpPr>
+          <p:cNvPr id="25" name=""/>
+          <p:cNvCxnSpPr/>
+          <p:nvPr/>
+        </p:nvCxnSpPr>
+        <p:spPr>
+          <a:xfrm>
+            <a:off x="3076544" y="4757738"/>
+            <a:ext cx="1495455" cy="0"/>
+          </a:xfrm>
+          <a:prstGeom prst="straightConnector1">
+            <a:avLst/>
+          </a:prstGeom>
+          <a:ln w="88900" cap="flat" cmpd="sng" algn="ctr">
+            <a:solidFill>
+              <a:schemeClr val="tx1"/>
+            </a:solidFill>
+            <a:headEnd type="triangle" w="med" len="sm"/>
+            <a:tailEnd type="triangle" w="med" len="sm"/>
+          </a:ln>
+        </p:spPr>
+        <p:style>
+          <a:lnRef idx="1">
+            <a:schemeClr val="accent1"/>
+          </a:lnRef>
+          <a:fillRef idx="0">
+            <a:schemeClr val="accent1"/>
+          </a:fillRef>
+          <a:effectRef idx="0">
+            <a:schemeClr val="accent1"/>
+          </a:effectRef>
+          <a:fontRef idx="minor">
+            <a:schemeClr val="tx1"/>
+          </a:fontRef>
+        </p:style>
+      </p:cxnSp>
+      <p:sp>
+        <p:nvSpPr>
+          <p:cNvPr id="26" name=""/>
+          <p:cNvSpPr txBox="1"/>
+          <p:nvPr/>
+        </p:nvSpPr>
+        <p:spPr>
+          <a:xfrm>
+            <a:off x="3448018" y="4405312"/>
+            <a:ext cx="715328" cy="364808"/>
+          </a:xfrm>
+          <a:prstGeom prst="rect">
+            <a:avLst/>
+          </a:prstGeom>
+        </p:spPr>
+        <p:txBody>
+          <a:bodyPr wrap="none">
+            <a:spAutoFit/>
+          </a:bodyPr>
+          <a:p>
+            <a:pPr>
+              <a:defRPr lang="ko-KR" altLang="en-US"/>
+            </a:pPr>
+            <a:r>
+              <a:rPr lang="en-US" altLang="ko-KR"/>
+              <a:t>touch</a:t>
+            </a:r>
+            <a:endParaRPr lang="en-US" altLang="ko-KR"/>
+          </a:p>
+        </p:txBody>
+      </p:sp>
+    </p:spTree>
+  </p:cSld>
+  <p:clrMapOvr>
+    <a:masterClrMapping/>
+  </p:clrMapOvr>
+  <p:transition xmlns:mc="http://schemas.openxmlformats.org/markup-compatibility/2006" xmlns:hp="http://schemas.haansoft.com/office/presentation/8.0" mc:Ignorable="hp" hp:hslDur="500"/>
+</p:sld>
+</file>
+
+<file path=ppt/slides/slide9.xml><?xml version="1.0" encoding="utf-8"?>
+<p:sld xmlns:r="http://schemas.openxmlformats.org/officeDocument/2006/relationships" xmlns:c="http://schemas.openxmlformats.org/drawingml/2006/chart" xmlns:a="http://schemas.openxmlformats.org/drawingml/2006/main" xmlns:dgm="http://schemas.openxmlformats.org/drawingml/2006/diagram" xmlns:dsp="http://schemas.microsoft.com/office/drawing/2008/diagram" xmlns:p="http://schemas.openxmlformats.org/presentationml/2006/main">
+  <p:cSld>
+    <p:spTree>
+      <p:nvGrpSpPr>
+        <p:cNvPr id="1" name=""/>
+        <p:cNvGrpSpPr/>
+        <p:nvPr/>
+      </p:nvGrpSpPr>
+      <p:grpSpPr>
+        <a:xfrm>
+          <a:off x="0" y="0"/>
+          <a:ext cx="0" cy="0"/>
+          <a:chOff x="0" y="0"/>
+          <a:chExt cx="0" cy="0"/>
+        </a:xfrm>
+      </p:grpSpPr>
+      <p:sp>
+        <p:nvSpPr>
+          <p:cNvPr id="3" name="내용 개체 틀 2"/>
+          <p:cNvSpPr>
+            <a:spLocks noGrp="1"/>
+          </p:cNvSpPr>
+          <p:nvPr>
+            <p:ph idx="1"/>
+          </p:nvPr>
+        </p:nvSpPr>
+        <p:spPr>
+          <a:xfrm>
             <a:off x="433668" y="1507067"/>
             <a:ext cx="10131425" cy="4863103"/>
           </a:xfrm>
@@ -9971,6 +10296,23 @@
               <a:buNone/>
               <a:defRPr lang="ko-KR" altLang="en-US"/>
             </a:pPr>
+            <a:r>
+              <a:rPr lang="ko-KR" altLang="en-US"/>
+              <a:t>   -어떤 장소에서 핸드폰을 떨어트렸는지 분석</a:t>
+            </a:r>
+            <a:endParaRPr lang="ko-KR" altLang="en-US"/>
+          </a:p>
+          <a:p>
+            <a:pPr>
+              <a:spcBef>
+                <a:spcPct val="0"/>
+              </a:spcBef>
+              <a:spcAft>
+                <a:spcPct val="46000"/>
+              </a:spcAft>
+              <a:buNone/>
+              <a:defRPr lang="ko-KR" altLang="en-US"/>
+            </a:pPr>
             <a:endParaRPr lang="ko-KR" altLang="en-US"/>
           </a:p>
           <a:p>
@@ -10027,6 +10369,59 @@
             <a:r>
               <a:rPr lang="ko-KR" altLang="en-US"/>
               <a:t>어떤 부위가 고장이 났을 가능성이 있는지 알려줌</a:t>
+            </a:r>
+            <a:endParaRPr lang="ko-KR" altLang="en-US"/>
+          </a:p>
+          <a:p>
+            <a:pPr>
+              <a:spcBef>
+                <a:spcPct val="0"/>
+              </a:spcBef>
+              <a:spcAft>
+                <a:spcPct val="46000"/>
+              </a:spcAft>
+              <a:defRPr lang="ko-KR" altLang="en-US"/>
+            </a:pPr>
+            <a:r>
+              <a:rPr lang="ko-KR" altLang="en-US"/>
+              <a:t>특정 위치에서 핸드폰을 많이 떨어트렸는지 알려줌</a:t>
+            </a:r>
+            <a:endParaRPr lang="ko-KR" altLang="en-US"/>
+          </a:p>
+          <a:p>
+            <a:pPr>
+              <a:spcBef>
+                <a:spcPct val="0"/>
+              </a:spcBef>
+              <a:spcAft>
+                <a:spcPct val="46000"/>
+              </a:spcAft>
+              <a:buNone/>
+              <a:defRPr lang="ko-KR" altLang="en-US"/>
+            </a:pPr>
+            <a:r>
+              <a:rPr lang="en-US" altLang="ko-KR"/>
+              <a:t>    ex)</a:t>
+            </a:r>
+            <a:r>
+              <a:rPr lang="ko-KR" altLang="en-US"/>
+              <a:t> 학교 앞 버스정류장</a:t>
+            </a:r>
+            <a:endParaRPr lang="ko-KR" altLang="en-US"/>
+          </a:p>
+          <a:p>
+            <a:pPr>
+              <a:spcBef>
+                <a:spcPct val="0"/>
+              </a:spcBef>
+              <a:spcAft>
+                <a:spcPct val="46000"/>
+              </a:spcAft>
+              <a:defRPr lang="ko-KR" altLang="en-US"/>
+            </a:pPr>
+            <a:r>
+              <a:rPr lang="ko-KR" altLang="en-US"/>
+              <a:t>특정 위치에서 유난히 핸드폰을 많이 떨어트렸을 때 사용자에게 알려주는 알림 발생</a:t>
             </a:r>
             <a:endParaRPr lang="ko-KR" altLang="en-US"/>
           </a:p>
